--- a/.assets/PPAEG-final-presentation.pptx
+++ b/.assets/PPAEG-final-presentation.pptx
@@ -274,7 +274,7 @@
           <a:p>
             <a:fld id="{41FD8109-0264-1C4F-A7F5-0A0BD11E88F1}" type="datetimeFigureOut">
               <a:rPr kumimoji="1" lang="zh-CN" altLang="en-US" smtClean="0"/>
-              <a:t>2022/12/6</a:t>
+              <a:t>2022/12/11</a:t>
             </a:fld>
             <a:endParaRPr kumimoji="1" lang="zh-CN" altLang="en-US"/>
           </a:p>
@@ -5422,7 +5422,7 @@
           <a:p>
             <a:fld id="{9AD7E4F8-49ED-BD43-AD1F-5AEAF043F82E}" type="datetimeFigureOut">
               <a:rPr kumimoji="1" lang="zh-CN" altLang="en-US" smtClean="0"/>
-              <a:t>2022/12/6</a:t>
+              <a:t>2022/12/11</a:t>
             </a:fld>
             <a:endParaRPr kumimoji="1" lang="zh-CN" altLang="en-US"/>
           </a:p>
@@ -5800,7 +5800,7 @@
           <a:p>
             <a:fld id="{9AD7E4F8-49ED-BD43-AD1F-5AEAF043F82E}" type="datetimeFigureOut">
               <a:rPr kumimoji="1" lang="zh-CN" altLang="en-US" smtClean="0"/>
-              <a:t>2022/12/6</a:t>
+              <a:t>2022/12/11</a:t>
             </a:fld>
             <a:endParaRPr kumimoji="1" lang="zh-CN" altLang="en-US"/>
           </a:p>
@@ -6008,7 +6008,7 @@
           <a:p>
             <a:fld id="{9AD7E4F8-49ED-BD43-AD1F-5AEAF043F82E}" type="datetimeFigureOut">
               <a:rPr kumimoji="1" lang="zh-CN" altLang="en-US" smtClean="0"/>
-              <a:t>2022/12/6</a:t>
+              <a:t>2022/12/11</a:t>
             </a:fld>
             <a:endParaRPr kumimoji="1" lang="zh-CN" altLang="en-US"/>
           </a:p>
@@ -6206,7 +6206,7 @@
           <a:p>
             <a:fld id="{9AD7E4F8-49ED-BD43-AD1F-5AEAF043F82E}" type="datetimeFigureOut">
               <a:rPr kumimoji="1" lang="zh-CN" altLang="en-US" smtClean="0"/>
-              <a:t>2022/12/6</a:t>
+              <a:t>2022/12/11</a:t>
             </a:fld>
             <a:endParaRPr kumimoji="1" lang="zh-CN" altLang="en-US"/>
           </a:p>
@@ -6481,7 +6481,7 @@
           <a:p>
             <a:fld id="{9AD7E4F8-49ED-BD43-AD1F-5AEAF043F82E}" type="datetimeFigureOut">
               <a:rPr kumimoji="1" lang="zh-CN" altLang="en-US" smtClean="0"/>
-              <a:t>2022/12/6</a:t>
+              <a:t>2022/12/11</a:t>
             </a:fld>
             <a:endParaRPr kumimoji="1" lang="zh-CN" altLang="en-US"/>
           </a:p>
@@ -6746,7 +6746,7 @@
           <a:p>
             <a:fld id="{9AD7E4F8-49ED-BD43-AD1F-5AEAF043F82E}" type="datetimeFigureOut">
               <a:rPr kumimoji="1" lang="zh-CN" altLang="en-US" smtClean="0"/>
-              <a:t>2022/12/6</a:t>
+              <a:t>2022/12/11</a:t>
             </a:fld>
             <a:endParaRPr kumimoji="1" lang="zh-CN" altLang="en-US"/>
           </a:p>
@@ -7158,7 +7158,7 @@
           <a:p>
             <a:fld id="{9AD7E4F8-49ED-BD43-AD1F-5AEAF043F82E}" type="datetimeFigureOut">
               <a:rPr kumimoji="1" lang="zh-CN" altLang="en-US" smtClean="0"/>
-              <a:t>2022/12/6</a:t>
+              <a:t>2022/12/11</a:t>
             </a:fld>
             <a:endParaRPr kumimoji="1" lang="zh-CN" altLang="en-US"/>
           </a:p>
@@ -7299,7 +7299,7 @@
           <a:p>
             <a:fld id="{9AD7E4F8-49ED-BD43-AD1F-5AEAF043F82E}" type="datetimeFigureOut">
               <a:rPr kumimoji="1" lang="zh-CN" altLang="en-US" smtClean="0"/>
-              <a:t>2022/12/6</a:t>
+              <a:t>2022/12/11</a:t>
             </a:fld>
             <a:endParaRPr kumimoji="1" lang="zh-CN" altLang="en-US"/>
           </a:p>
@@ -7412,7 +7412,7 @@
           <a:p>
             <a:fld id="{9AD7E4F8-49ED-BD43-AD1F-5AEAF043F82E}" type="datetimeFigureOut">
               <a:rPr kumimoji="1" lang="zh-CN" altLang="en-US" smtClean="0"/>
-              <a:t>2022/12/6</a:t>
+              <a:t>2022/12/11</a:t>
             </a:fld>
             <a:endParaRPr kumimoji="1" lang="zh-CN" altLang="en-US"/>
           </a:p>
@@ -7723,7 +7723,7 @@
           <a:p>
             <a:fld id="{9AD7E4F8-49ED-BD43-AD1F-5AEAF043F82E}" type="datetimeFigureOut">
               <a:rPr kumimoji="1" lang="zh-CN" altLang="en-US" smtClean="0"/>
-              <a:t>2022/12/6</a:t>
+              <a:t>2022/12/11</a:t>
             </a:fld>
             <a:endParaRPr kumimoji="1" lang="zh-CN" altLang="en-US"/>
           </a:p>
@@ -8011,7 +8011,7 @@
           <a:p>
             <a:fld id="{9AD7E4F8-49ED-BD43-AD1F-5AEAF043F82E}" type="datetimeFigureOut">
               <a:rPr kumimoji="1" lang="zh-CN" altLang="en-US" smtClean="0"/>
-              <a:t>2022/12/6</a:t>
+              <a:t>2022/12/11</a:t>
             </a:fld>
             <a:endParaRPr kumimoji="1" lang="zh-CN" altLang="en-US"/>
           </a:p>
@@ -8252,7 +8252,7 @@
           <a:p>
             <a:fld id="{9AD7E4F8-49ED-BD43-AD1F-5AEAF043F82E}" type="datetimeFigureOut">
               <a:rPr kumimoji="1" lang="zh-CN" altLang="en-US" smtClean="0"/>
-              <a:t>2022/12/6</a:t>
+              <a:t>2022/12/11</a:t>
             </a:fld>
             <a:endParaRPr kumimoji="1" lang="zh-CN" altLang="en-US"/>
           </a:p>

--- a/.assets/PPAEG-final-presentation.pptx
+++ b/.assets/PPAEG-final-presentation.pptx
@@ -274,7 +274,7 @@
           <a:p>
             <a:fld id="{41FD8109-0264-1C4F-A7F5-0A0BD11E88F1}" type="datetimeFigureOut">
               <a:rPr kumimoji="1" lang="zh-CN" altLang="en-US" smtClean="0"/>
-              <a:t>2022/12/11</a:t>
+              <a:t>2023/1/30</a:t>
             </a:fld>
             <a:endParaRPr kumimoji="1" lang="zh-CN" altLang="en-US"/>
           </a:p>
@@ -5422,7 +5422,7 @@
           <a:p>
             <a:fld id="{9AD7E4F8-49ED-BD43-AD1F-5AEAF043F82E}" type="datetimeFigureOut">
               <a:rPr kumimoji="1" lang="zh-CN" altLang="en-US" smtClean="0"/>
-              <a:t>2022/12/11</a:t>
+              <a:t>2023/1/30</a:t>
             </a:fld>
             <a:endParaRPr kumimoji="1" lang="zh-CN" altLang="en-US"/>
           </a:p>
@@ -5800,7 +5800,7 @@
           <a:p>
             <a:fld id="{9AD7E4F8-49ED-BD43-AD1F-5AEAF043F82E}" type="datetimeFigureOut">
               <a:rPr kumimoji="1" lang="zh-CN" altLang="en-US" smtClean="0"/>
-              <a:t>2022/12/11</a:t>
+              <a:t>2023/1/30</a:t>
             </a:fld>
             <a:endParaRPr kumimoji="1" lang="zh-CN" altLang="en-US"/>
           </a:p>
@@ -6008,7 +6008,7 @@
           <a:p>
             <a:fld id="{9AD7E4F8-49ED-BD43-AD1F-5AEAF043F82E}" type="datetimeFigureOut">
               <a:rPr kumimoji="1" lang="zh-CN" altLang="en-US" smtClean="0"/>
-              <a:t>2022/12/11</a:t>
+              <a:t>2023/1/30</a:t>
             </a:fld>
             <a:endParaRPr kumimoji="1" lang="zh-CN" altLang="en-US"/>
           </a:p>
@@ -6206,7 +6206,7 @@
           <a:p>
             <a:fld id="{9AD7E4F8-49ED-BD43-AD1F-5AEAF043F82E}" type="datetimeFigureOut">
               <a:rPr kumimoji="1" lang="zh-CN" altLang="en-US" smtClean="0"/>
-              <a:t>2022/12/11</a:t>
+              <a:t>2023/1/30</a:t>
             </a:fld>
             <a:endParaRPr kumimoji="1" lang="zh-CN" altLang="en-US"/>
           </a:p>
@@ -6481,7 +6481,7 @@
           <a:p>
             <a:fld id="{9AD7E4F8-49ED-BD43-AD1F-5AEAF043F82E}" type="datetimeFigureOut">
               <a:rPr kumimoji="1" lang="zh-CN" altLang="en-US" smtClean="0"/>
-              <a:t>2022/12/11</a:t>
+              <a:t>2023/1/30</a:t>
             </a:fld>
             <a:endParaRPr kumimoji="1" lang="zh-CN" altLang="en-US"/>
           </a:p>
@@ -6746,7 +6746,7 @@
           <a:p>
             <a:fld id="{9AD7E4F8-49ED-BD43-AD1F-5AEAF043F82E}" type="datetimeFigureOut">
               <a:rPr kumimoji="1" lang="zh-CN" altLang="en-US" smtClean="0"/>
-              <a:t>2022/12/11</a:t>
+              <a:t>2023/1/30</a:t>
             </a:fld>
             <a:endParaRPr kumimoji="1" lang="zh-CN" altLang="en-US"/>
           </a:p>
@@ -7158,7 +7158,7 @@
           <a:p>
             <a:fld id="{9AD7E4F8-49ED-BD43-AD1F-5AEAF043F82E}" type="datetimeFigureOut">
               <a:rPr kumimoji="1" lang="zh-CN" altLang="en-US" smtClean="0"/>
-              <a:t>2022/12/11</a:t>
+              <a:t>2023/1/30</a:t>
             </a:fld>
             <a:endParaRPr kumimoji="1" lang="zh-CN" altLang="en-US"/>
           </a:p>
@@ -7299,7 +7299,7 @@
           <a:p>
             <a:fld id="{9AD7E4F8-49ED-BD43-AD1F-5AEAF043F82E}" type="datetimeFigureOut">
               <a:rPr kumimoji="1" lang="zh-CN" altLang="en-US" smtClean="0"/>
-              <a:t>2022/12/11</a:t>
+              <a:t>2023/1/30</a:t>
             </a:fld>
             <a:endParaRPr kumimoji="1" lang="zh-CN" altLang="en-US"/>
           </a:p>
@@ -7412,7 +7412,7 @@
           <a:p>
             <a:fld id="{9AD7E4F8-49ED-BD43-AD1F-5AEAF043F82E}" type="datetimeFigureOut">
               <a:rPr kumimoji="1" lang="zh-CN" altLang="en-US" smtClean="0"/>
-              <a:t>2022/12/11</a:t>
+              <a:t>2023/1/30</a:t>
             </a:fld>
             <a:endParaRPr kumimoji="1" lang="zh-CN" altLang="en-US"/>
           </a:p>
@@ -7723,7 +7723,7 @@
           <a:p>
             <a:fld id="{9AD7E4F8-49ED-BD43-AD1F-5AEAF043F82E}" type="datetimeFigureOut">
               <a:rPr kumimoji="1" lang="zh-CN" altLang="en-US" smtClean="0"/>
-              <a:t>2022/12/11</a:t>
+              <a:t>2023/1/30</a:t>
             </a:fld>
             <a:endParaRPr kumimoji="1" lang="zh-CN" altLang="en-US"/>
           </a:p>
@@ -8011,7 +8011,7 @@
           <a:p>
             <a:fld id="{9AD7E4F8-49ED-BD43-AD1F-5AEAF043F82E}" type="datetimeFigureOut">
               <a:rPr kumimoji="1" lang="zh-CN" altLang="en-US" smtClean="0"/>
-              <a:t>2022/12/11</a:t>
+              <a:t>2023/1/30</a:t>
             </a:fld>
             <a:endParaRPr kumimoji="1" lang="zh-CN" altLang="en-US"/>
           </a:p>
@@ -8252,7 +8252,7 @@
           <a:p>
             <a:fld id="{9AD7E4F8-49ED-BD43-AD1F-5AEAF043F82E}" type="datetimeFigureOut">
               <a:rPr kumimoji="1" lang="zh-CN" altLang="en-US" smtClean="0"/>
-              <a:t>2022/12/11</a:t>
+              <a:t>2023/1/30</a:t>
             </a:fld>
             <a:endParaRPr kumimoji="1" lang="zh-CN" altLang="en-US"/>
           </a:p>
